--- a/task2/task2.pptx
+++ b/task2/task2.pptx
@@ -5,11 +5,12 @@
     <p:sldMasterId id="2147483648" r:id="rId1"/>
   </p:sldMasterIdLst>
   <p:sldIdLst>
-    <p:sldId id="256" r:id="rId2"/>
-    <p:sldId id="257" r:id="rId3"/>
-    <p:sldId id="258" r:id="rId4"/>
-    <p:sldId id="260" r:id="rId5"/>
-    <p:sldId id="259" r:id="rId6"/>
+    <p:sldId id="262" r:id="rId2"/>
+    <p:sldId id="256" r:id="rId3"/>
+    <p:sldId id="257" r:id="rId4"/>
+    <p:sldId id="258" r:id="rId5"/>
+    <p:sldId id="260" r:id="rId6"/>
+    <p:sldId id="259" r:id="rId7"/>
   </p:sldIdLst>
   <p:sldSz cx="12192000" cy="6858000"/>
   <p:notesSz cx="6858000" cy="9144000"/>
@@ -265,7 +266,7 @@
           <a:p>
             <a:fld id="{1B71F483-9132-4FA2-A546-6EEF2A6CBF1E}" type="datetimeFigureOut">
               <a:rPr lang="en-AU" smtClean="0"/>
-              <a:t>7/07/2019</a:t>
+              <a:t>8/07/2019</a:t>
             </a:fld>
             <a:endParaRPr lang="en-AU"/>
           </a:p>
@@ -465,7 +466,7 @@
           <a:p>
             <a:fld id="{1B71F483-9132-4FA2-A546-6EEF2A6CBF1E}" type="datetimeFigureOut">
               <a:rPr lang="en-AU" smtClean="0"/>
-              <a:t>7/07/2019</a:t>
+              <a:t>8/07/2019</a:t>
             </a:fld>
             <a:endParaRPr lang="en-AU"/>
           </a:p>
@@ -675,7 +676,7 @@
           <a:p>
             <a:fld id="{1B71F483-9132-4FA2-A546-6EEF2A6CBF1E}" type="datetimeFigureOut">
               <a:rPr lang="en-AU" smtClean="0"/>
-              <a:t>7/07/2019</a:t>
+              <a:t>8/07/2019</a:t>
             </a:fld>
             <a:endParaRPr lang="en-AU"/>
           </a:p>
@@ -875,7 +876,7 @@
           <a:p>
             <a:fld id="{1B71F483-9132-4FA2-A546-6EEF2A6CBF1E}" type="datetimeFigureOut">
               <a:rPr lang="en-AU" smtClean="0"/>
-              <a:t>7/07/2019</a:t>
+              <a:t>8/07/2019</a:t>
             </a:fld>
             <a:endParaRPr lang="en-AU"/>
           </a:p>
@@ -1151,7 +1152,7 @@
           <a:p>
             <a:fld id="{1B71F483-9132-4FA2-A546-6EEF2A6CBF1E}" type="datetimeFigureOut">
               <a:rPr lang="en-AU" smtClean="0"/>
-              <a:t>7/07/2019</a:t>
+              <a:t>8/07/2019</a:t>
             </a:fld>
             <a:endParaRPr lang="en-AU"/>
           </a:p>
@@ -1419,7 +1420,7 @@
           <a:p>
             <a:fld id="{1B71F483-9132-4FA2-A546-6EEF2A6CBF1E}" type="datetimeFigureOut">
               <a:rPr lang="en-AU" smtClean="0"/>
-              <a:t>7/07/2019</a:t>
+              <a:t>8/07/2019</a:t>
             </a:fld>
             <a:endParaRPr lang="en-AU"/>
           </a:p>
@@ -1834,7 +1835,7 @@
           <a:p>
             <a:fld id="{1B71F483-9132-4FA2-A546-6EEF2A6CBF1E}" type="datetimeFigureOut">
               <a:rPr lang="en-AU" smtClean="0"/>
-              <a:t>7/07/2019</a:t>
+              <a:t>8/07/2019</a:t>
             </a:fld>
             <a:endParaRPr lang="en-AU"/>
           </a:p>
@@ -1976,7 +1977,7 @@
           <a:p>
             <a:fld id="{1B71F483-9132-4FA2-A546-6EEF2A6CBF1E}" type="datetimeFigureOut">
               <a:rPr lang="en-AU" smtClean="0"/>
-              <a:t>7/07/2019</a:t>
+              <a:t>8/07/2019</a:t>
             </a:fld>
             <a:endParaRPr lang="en-AU"/>
           </a:p>
@@ -2089,7 +2090,7 @@
           <a:p>
             <a:fld id="{1B71F483-9132-4FA2-A546-6EEF2A6CBF1E}" type="datetimeFigureOut">
               <a:rPr lang="en-AU" smtClean="0"/>
-              <a:t>7/07/2019</a:t>
+              <a:t>8/07/2019</a:t>
             </a:fld>
             <a:endParaRPr lang="en-AU"/>
           </a:p>
@@ -2402,7 +2403,7 @@
           <a:p>
             <a:fld id="{1B71F483-9132-4FA2-A546-6EEF2A6CBF1E}" type="datetimeFigureOut">
               <a:rPr lang="en-AU" smtClean="0"/>
-              <a:t>7/07/2019</a:t>
+              <a:t>8/07/2019</a:t>
             </a:fld>
             <a:endParaRPr lang="en-AU"/>
           </a:p>
@@ -2691,7 +2692,7 @@
           <a:p>
             <a:fld id="{1B71F483-9132-4FA2-A546-6EEF2A6CBF1E}" type="datetimeFigureOut">
               <a:rPr lang="en-AU" smtClean="0"/>
-              <a:t>7/07/2019</a:t>
+              <a:t>8/07/2019</a:t>
             </a:fld>
             <a:endParaRPr lang="en-AU"/>
           </a:p>
@@ -2934,7 +2935,7 @@
           <a:p>
             <a:fld id="{1B71F483-9132-4FA2-A546-6EEF2A6CBF1E}" type="datetimeFigureOut">
               <a:rPr lang="en-AU" smtClean="0"/>
-              <a:t>7/07/2019</a:t>
+              <a:t>8/07/2019</a:t>
             </a:fld>
             <a:endParaRPr lang="en-AU"/>
           </a:p>
@@ -3356,6 +3357,104 @@
           <p:cNvPr id="2" name="Title 1">
             <a:extLst>
               <a:ext uri="{FF2B5EF4-FFF2-40B4-BE49-F238E27FC236}">
+                <a16:creationId xmlns:a16="http://schemas.microsoft.com/office/drawing/2014/main" id="{9D363C4D-A599-4416-AAD5-5D45961ED488}"/>
+              </a:ext>
+            </a:extLst>
+          </p:cNvPr>
+          <p:cNvSpPr>
+            <a:spLocks noGrp="1"/>
+          </p:cNvSpPr>
+          <p:nvPr>
+            <p:ph type="title"/>
+          </p:nvPr>
+        </p:nvSpPr>
+        <p:spPr/>
+        <p:txBody>
+          <a:bodyPr/>
+          <a:lstStyle/>
+          <a:p>
+            <a:r>
+              <a:rPr lang="en-AU" dirty="0"/>
+              <a:t>ANZ Virtual Internship Predictive Analysis</a:t>
+            </a:r>
+          </a:p>
+        </p:txBody>
+      </p:sp>
+      <p:sp>
+        <p:nvSpPr>
+          <p:cNvPr id="3" name="Content Placeholder 2">
+            <a:extLst>
+              <a:ext uri="{FF2B5EF4-FFF2-40B4-BE49-F238E27FC236}">
+                <a16:creationId xmlns:a16="http://schemas.microsoft.com/office/drawing/2014/main" id="{76F8B3BD-526F-4B45-93C9-C272A000B003}"/>
+              </a:ext>
+            </a:extLst>
+          </p:cNvPr>
+          <p:cNvSpPr>
+            <a:spLocks noGrp="1"/>
+          </p:cNvSpPr>
+          <p:nvPr>
+            <p:ph idx="1"/>
+          </p:nvPr>
+        </p:nvSpPr>
+        <p:spPr/>
+        <p:txBody>
+          <a:bodyPr/>
+          <a:lstStyle/>
+          <a:p>
+            <a:r>
+              <a:rPr lang="en-AU" dirty="0"/>
+              <a:t>Prepared by Mustafa Neguib</a:t>
+            </a:r>
+          </a:p>
+          <a:p>
+            <a:r>
+              <a:rPr lang="en-AU" dirty="0"/>
+              <a:t>Master of Information Technology</a:t>
+            </a:r>
+          </a:p>
+          <a:p>
+            <a:r>
+              <a:rPr lang="en-AU" dirty="0"/>
+              <a:t>The University of Melbourne</a:t>
+            </a:r>
+          </a:p>
+        </p:txBody>
+      </p:sp>
+    </p:spTree>
+    <p:extLst>
+      <p:ext uri="{BB962C8B-B14F-4D97-AF65-F5344CB8AC3E}">
+        <p14:creationId xmlns:p14="http://schemas.microsoft.com/office/powerpoint/2010/main" val="1943056312"/>
+      </p:ext>
+    </p:extLst>
+  </p:cSld>
+  <p:clrMapOvr>
+    <a:masterClrMapping/>
+  </p:clrMapOvr>
+</p:sld>
+</file>
+
+<file path=ppt/slides/slide2.xml><?xml version="1.0" encoding="utf-8"?>
+<p:sld xmlns:a="http://schemas.openxmlformats.org/drawingml/2006/main" xmlns:r="http://schemas.openxmlformats.org/officeDocument/2006/relationships" xmlns:p="http://schemas.openxmlformats.org/presentationml/2006/main">
+  <p:cSld>
+    <p:spTree>
+      <p:nvGrpSpPr>
+        <p:cNvPr id="1" name=""/>
+        <p:cNvGrpSpPr/>
+        <p:nvPr/>
+      </p:nvGrpSpPr>
+      <p:grpSpPr>
+        <a:xfrm>
+          <a:off x="0" y="0"/>
+          <a:ext cx="0" cy="0"/>
+          <a:chOff x="0" y="0"/>
+          <a:chExt cx="0" cy="0"/>
+        </a:xfrm>
+      </p:grpSpPr>
+      <p:sp>
+        <p:nvSpPr>
+          <p:cNvPr id="2" name="Title 1">
+            <a:extLst>
+              <a:ext uri="{FF2B5EF4-FFF2-40B4-BE49-F238E27FC236}">
                 <a16:creationId xmlns:a16="http://schemas.microsoft.com/office/drawing/2014/main" id="{F8CCBC2B-D7CE-41CB-975C-475E3FF03FA1}"/>
               </a:ext>
             </a:extLst>
@@ -3436,7 +3535,7 @@
 </p:sld>
 </file>
 
-<file path=ppt/slides/slide2.xml><?xml version="1.0" encoding="utf-8"?>
+<file path=ppt/slides/slide3.xml><?xml version="1.0" encoding="utf-8"?>
 <p:sld xmlns:a="http://schemas.openxmlformats.org/drawingml/2006/main" xmlns:r="http://schemas.openxmlformats.org/officeDocument/2006/relationships" xmlns:p="http://schemas.openxmlformats.org/presentationml/2006/main">
   <p:cSld>
     <p:spTree>
@@ -4150,7 +4249,7 @@
 </p:sld>
 </file>
 
-<file path=ppt/slides/slide3.xml><?xml version="1.0" encoding="utf-8"?>
+<file path=ppt/slides/slide4.xml><?xml version="1.0" encoding="utf-8"?>
 <p:sld xmlns:a="http://schemas.openxmlformats.org/drawingml/2006/main" xmlns:r="http://schemas.openxmlformats.org/officeDocument/2006/relationships" xmlns:p="http://schemas.openxmlformats.org/presentationml/2006/main">
   <p:cSld>
     <p:spTree>
@@ -4859,7 +4958,7 @@
 </p:sld>
 </file>
 
-<file path=ppt/slides/slide4.xml><?xml version="1.0" encoding="utf-8"?>
+<file path=ppt/slides/slide5.xml><?xml version="1.0" encoding="utf-8"?>
 <p:sld xmlns:a="http://schemas.openxmlformats.org/drawingml/2006/main" xmlns:r="http://schemas.openxmlformats.org/officeDocument/2006/relationships" xmlns:p="http://schemas.openxmlformats.org/presentationml/2006/main">
   <p:cSld>
     <p:spTree>
@@ -5000,7 +5099,7 @@
 </p:sld>
 </file>
 
-<file path=ppt/slides/slide5.xml><?xml version="1.0" encoding="utf-8"?>
+<file path=ppt/slides/slide6.xml><?xml version="1.0" encoding="utf-8"?>
 <p:sld xmlns:a="http://schemas.openxmlformats.org/drawingml/2006/main" xmlns:r="http://schemas.openxmlformats.org/officeDocument/2006/relationships" xmlns:p="http://schemas.openxmlformats.org/presentationml/2006/main">
   <p:cSld>
     <p:spTree>
